--- a/Share/游戏设计理论--心流.pptx
+++ b/Share/游戏设计理论--心流.pptx
@@ -206,7 +206,7 @@
           <a:p>
             <a:fld id="{D2A48B96-639E-45A3-A0BA-2464DFDB1FAA}" type="datetimeFigureOut">
               <a:rPr lang="zh-CN" altLang="en-US" smtClean="0"/>
-              <a:t>2018/3/9</a:t>
+              <a:t>2018/3/11</a:t>
             </a:fld>
             <a:endParaRPr lang="zh-CN" altLang="en-US"/>
           </a:p>
@@ -605,7 +605,7 @@
           <a:p>
             <a:fld id="{D997B5FA-0921-464F-AAE1-844C04324D75}" type="datetimeFigureOut">
               <a:rPr lang="zh-CN" altLang="en-US" smtClean="0"/>
-              <a:t>2018/3/9</a:t>
+              <a:t>2018/3/11</a:t>
             </a:fld>
             <a:endParaRPr lang="zh-CN" altLang="en-US"/>
           </a:p>
@@ -774,7 +774,7 @@
           <a:p>
             <a:fld id="{D997B5FA-0921-464F-AAE1-844C04324D75}" type="datetimeFigureOut">
               <a:rPr lang="zh-CN" altLang="en-US" smtClean="0"/>
-              <a:t>2018/3/9</a:t>
+              <a:t>2018/3/11</a:t>
             </a:fld>
             <a:endParaRPr lang="zh-CN" altLang="en-US"/>
           </a:p>
@@ -953,7 +953,7 @@
           <a:p>
             <a:fld id="{D997B5FA-0921-464F-AAE1-844C04324D75}" type="datetimeFigureOut">
               <a:rPr lang="zh-CN" altLang="en-US" smtClean="0"/>
-              <a:t>2018/3/9</a:t>
+              <a:t>2018/3/11</a:t>
             </a:fld>
             <a:endParaRPr lang="zh-CN" altLang="en-US"/>
           </a:p>
@@ -1122,7 +1122,7 @@
           <a:p>
             <a:fld id="{D997B5FA-0921-464F-AAE1-844C04324D75}" type="datetimeFigureOut">
               <a:rPr lang="zh-CN" altLang="en-US" smtClean="0"/>
-              <a:t>2018/3/9</a:t>
+              <a:t>2018/3/11</a:t>
             </a:fld>
             <a:endParaRPr lang="zh-CN" altLang="en-US"/>
           </a:p>
@@ -1367,7 +1367,7 @@
           <a:p>
             <a:fld id="{D997B5FA-0921-464F-AAE1-844C04324D75}" type="datetimeFigureOut">
               <a:rPr lang="zh-CN" altLang="en-US" smtClean="0"/>
-              <a:t>2018/3/9</a:t>
+              <a:t>2018/3/11</a:t>
             </a:fld>
             <a:endParaRPr lang="zh-CN" altLang="en-US"/>
           </a:p>
@@ -1598,7 +1598,7 @@
           <a:p>
             <a:fld id="{D997B5FA-0921-464F-AAE1-844C04324D75}" type="datetimeFigureOut">
               <a:rPr lang="zh-CN" altLang="en-US" smtClean="0"/>
-              <a:t>2018/3/9</a:t>
+              <a:t>2018/3/11</a:t>
             </a:fld>
             <a:endParaRPr lang="zh-CN" altLang="en-US"/>
           </a:p>
@@ -1964,7 +1964,7 @@
           <a:p>
             <a:fld id="{D997B5FA-0921-464F-AAE1-844C04324D75}" type="datetimeFigureOut">
               <a:rPr lang="zh-CN" altLang="en-US" smtClean="0"/>
-              <a:t>2018/3/9</a:t>
+              <a:t>2018/3/11</a:t>
             </a:fld>
             <a:endParaRPr lang="zh-CN" altLang="en-US"/>
           </a:p>
@@ -2081,7 +2081,7 @@
           <a:p>
             <a:fld id="{D997B5FA-0921-464F-AAE1-844C04324D75}" type="datetimeFigureOut">
               <a:rPr lang="zh-CN" altLang="en-US" smtClean="0"/>
-              <a:t>2018/3/9</a:t>
+              <a:t>2018/3/11</a:t>
             </a:fld>
             <a:endParaRPr lang="zh-CN" altLang="en-US"/>
           </a:p>
@@ -2175,7 +2175,7 @@
           <a:p>
             <a:fld id="{D997B5FA-0921-464F-AAE1-844C04324D75}" type="datetimeFigureOut">
               <a:rPr lang="zh-CN" altLang="en-US" smtClean="0"/>
-              <a:t>2018/3/9</a:t>
+              <a:t>2018/3/11</a:t>
             </a:fld>
             <a:endParaRPr lang="zh-CN" altLang="en-US"/>
           </a:p>
@@ -2451,7 +2451,7 @@
           <a:p>
             <a:fld id="{D997B5FA-0921-464F-AAE1-844C04324D75}" type="datetimeFigureOut">
               <a:rPr lang="zh-CN" altLang="en-US" smtClean="0"/>
-              <a:t>2018/3/9</a:t>
+              <a:t>2018/3/11</a:t>
             </a:fld>
             <a:endParaRPr lang="zh-CN" altLang="en-US"/>
           </a:p>
@@ -2703,7 +2703,7 @@
           <a:p>
             <a:fld id="{D997B5FA-0921-464F-AAE1-844C04324D75}" type="datetimeFigureOut">
               <a:rPr lang="zh-CN" altLang="en-US" smtClean="0"/>
-              <a:t>2018/3/9</a:t>
+              <a:t>2018/3/11</a:t>
             </a:fld>
             <a:endParaRPr lang="zh-CN" altLang="en-US"/>
           </a:p>
@@ -2915,7 +2915,7 @@
           <a:p>
             <a:fld id="{D997B5FA-0921-464F-AAE1-844C04324D75}" type="datetimeFigureOut">
               <a:rPr lang="zh-CN" altLang="en-US" smtClean="0"/>
-              <a:t>2018/3/9</a:t>
+              <a:t>2018/3/11</a:t>
             </a:fld>
             <a:endParaRPr lang="zh-CN" altLang="en-US"/>
           </a:p>
@@ -3642,8 +3642,8 @@
         </p:nvSpPr>
         <p:spPr>
           <a:xfrm>
-            <a:off x="3272586" y="3113529"/>
-            <a:ext cx="6987943" cy="1015663"/>
+            <a:off x="3401226" y="3113529"/>
+            <a:ext cx="6859303" cy="1015663"/>
           </a:xfrm>
           <a:prstGeom prst="rect">
             <a:avLst/>
@@ -3663,15 +3663,7 @@
                   <a:srgbClr val="ED7D31"/>
                 </a:solidFill>
               </a:rPr>
-              <a:t>决</a:t>
-            </a:r>
-            <a:r>
-              <a:rPr lang="zh-CN" altLang="en-US" sz="6000" dirty="0" smtClean="0">
-                <a:solidFill>
-                  <a:srgbClr val="ED7D31"/>
-                </a:solidFill>
-              </a:rPr>
-              <a:t>策</a:t>
+              <a:t>决策</a:t>
             </a:r>
             <a:endParaRPr lang="en-US" altLang="zh-CN" sz="6000" dirty="0" smtClean="0">
               <a:solidFill>
@@ -4948,7 +4940,7 @@
         </p:nvSpPr>
         <p:spPr>
           <a:xfrm>
-            <a:off x="3551719" y="1836256"/>
+            <a:off x="3508990" y="1836256"/>
             <a:ext cx="6987943" cy="630942"/>
           </a:xfrm>
           <a:prstGeom prst="rect">
